--- a/typescript新手指南.pptx
+++ b/typescript新手指南.pptx
@@ -11,20 +11,21 @@
     <p:sldId id="258" r:id="rId5"/>
     <p:sldId id="259" r:id="rId6"/>
     <p:sldId id="261" r:id="rId7"/>
-    <p:sldId id="262" r:id="rId8"/>
-    <p:sldId id="270" r:id="rId9"/>
-    <p:sldId id="271" r:id="rId10"/>
-    <p:sldId id="269" r:id="rId11"/>
-    <p:sldId id="272" r:id="rId12"/>
-    <p:sldId id="263" r:id="rId13"/>
-    <p:sldId id="264" r:id="rId14"/>
-    <p:sldId id="265" r:id="rId15"/>
-    <p:sldId id="268" r:id="rId16"/>
-    <p:sldId id="266" r:id="rId17"/>
-    <p:sldId id="275" r:id="rId18"/>
-    <p:sldId id="274" r:id="rId19"/>
-    <p:sldId id="273" r:id="rId20"/>
-    <p:sldId id="267" r:id="rId21"/>
+    <p:sldId id="276" r:id="rId8"/>
+    <p:sldId id="262" r:id="rId9"/>
+    <p:sldId id="270" r:id="rId10"/>
+    <p:sldId id="271" r:id="rId11"/>
+    <p:sldId id="263" r:id="rId12"/>
+    <p:sldId id="269" r:id="rId13"/>
+    <p:sldId id="272" r:id="rId14"/>
+    <p:sldId id="264" r:id="rId15"/>
+    <p:sldId id="265" r:id="rId16"/>
+    <p:sldId id="268" r:id="rId17"/>
+    <p:sldId id="266" r:id="rId18"/>
+    <p:sldId id="275" r:id="rId19"/>
+    <p:sldId id="274" r:id="rId20"/>
+    <p:sldId id="273" r:id="rId21"/>
+    <p:sldId id="267" r:id="rId22"/>
   </p:sldIdLst>
   <p:sldSz cx="12192000" cy="6858000"/>
   <p:notesSz cx="6858000" cy="9144000"/>
@@ -262,7 +263,7 @@
           <a:p>
             <a:fld id="{543F2E7A-B287-4F06-AC0A-32BFD40106A7}" type="datetimeFigureOut">
               <a:rPr lang="zh-TW" altLang="en-US" smtClean="0"/>
-              <a:t>2020/3/12</a:t>
+              <a:t>2020/3/14</a:t>
             </a:fld>
             <a:endParaRPr lang="zh-TW" altLang="en-US"/>
           </a:p>
@@ -432,7 +433,7 @@
           <a:p>
             <a:fld id="{543F2E7A-B287-4F06-AC0A-32BFD40106A7}" type="datetimeFigureOut">
               <a:rPr lang="zh-TW" altLang="en-US" smtClean="0"/>
-              <a:t>2020/3/12</a:t>
+              <a:t>2020/3/14</a:t>
             </a:fld>
             <a:endParaRPr lang="zh-TW" altLang="en-US"/>
           </a:p>
@@ -612,7 +613,7 @@
           <a:p>
             <a:fld id="{543F2E7A-B287-4F06-AC0A-32BFD40106A7}" type="datetimeFigureOut">
               <a:rPr lang="zh-TW" altLang="en-US" smtClean="0"/>
-              <a:t>2020/3/12</a:t>
+              <a:t>2020/3/14</a:t>
             </a:fld>
             <a:endParaRPr lang="zh-TW" altLang="en-US"/>
           </a:p>
@@ -782,7 +783,7 @@
           <a:p>
             <a:fld id="{543F2E7A-B287-4F06-AC0A-32BFD40106A7}" type="datetimeFigureOut">
               <a:rPr lang="zh-TW" altLang="en-US" smtClean="0"/>
-              <a:t>2020/3/12</a:t>
+              <a:t>2020/3/14</a:t>
             </a:fld>
             <a:endParaRPr lang="zh-TW" altLang="en-US"/>
           </a:p>
@@ -1028,7 +1029,7 @@
           <a:p>
             <a:fld id="{543F2E7A-B287-4F06-AC0A-32BFD40106A7}" type="datetimeFigureOut">
               <a:rPr lang="zh-TW" altLang="en-US" smtClean="0"/>
-              <a:t>2020/3/12</a:t>
+              <a:t>2020/3/14</a:t>
             </a:fld>
             <a:endParaRPr lang="zh-TW" altLang="en-US"/>
           </a:p>
@@ -1260,7 +1261,7 @@
           <a:p>
             <a:fld id="{543F2E7A-B287-4F06-AC0A-32BFD40106A7}" type="datetimeFigureOut">
               <a:rPr lang="zh-TW" altLang="en-US" smtClean="0"/>
-              <a:t>2020/3/12</a:t>
+              <a:t>2020/3/14</a:t>
             </a:fld>
             <a:endParaRPr lang="zh-TW" altLang="en-US"/>
           </a:p>
@@ -1627,7 +1628,7 @@
           <a:p>
             <a:fld id="{543F2E7A-B287-4F06-AC0A-32BFD40106A7}" type="datetimeFigureOut">
               <a:rPr lang="zh-TW" altLang="en-US" smtClean="0"/>
-              <a:t>2020/3/12</a:t>
+              <a:t>2020/3/14</a:t>
             </a:fld>
             <a:endParaRPr lang="zh-TW" altLang="en-US"/>
           </a:p>
@@ -1745,7 +1746,7 @@
           <a:p>
             <a:fld id="{543F2E7A-B287-4F06-AC0A-32BFD40106A7}" type="datetimeFigureOut">
               <a:rPr lang="zh-TW" altLang="en-US" smtClean="0"/>
-              <a:t>2020/3/12</a:t>
+              <a:t>2020/3/14</a:t>
             </a:fld>
             <a:endParaRPr lang="zh-TW" altLang="en-US"/>
           </a:p>
@@ -1840,7 +1841,7 @@
           <a:p>
             <a:fld id="{543F2E7A-B287-4F06-AC0A-32BFD40106A7}" type="datetimeFigureOut">
               <a:rPr lang="zh-TW" altLang="en-US" smtClean="0"/>
-              <a:t>2020/3/12</a:t>
+              <a:t>2020/3/14</a:t>
             </a:fld>
             <a:endParaRPr lang="zh-TW" altLang="en-US"/>
           </a:p>
@@ -2117,7 +2118,7 @@
           <a:p>
             <a:fld id="{543F2E7A-B287-4F06-AC0A-32BFD40106A7}" type="datetimeFigureOut">
               <a:rPr lang="zh-TW" altLang="en-US" smtClean="0"/>
-              <a:t>2020/3/12</a:t>
+              <a:t>2020/3/14</a:t>
             </a:fld>
             <a:endParaRPr lang="zh-TW" altLang="en-US"/>
           </a:p>
@@ -2370,7 +2371,7 @@
           <a:p>
             <a:fld id="{543F2E7A-B287-4F06-AC0A-32BFD40106A7}" type="datetimeFigureOut">
               <a:rPr lang="zh-TW" altLang="en-US" smtClean="0"/>
-              <a:t>2020/3/12</a:t>
+              <a:t>2020/3/14</a:t>
             </a:fld>
             <a:endParaRPr lang="zh-TW" altLang="en-US"/>
           </a:p>
@@ -2583,7 +2584,7 @@
           <a:p>
             <a:fld id="{543F2E7A-B287-4F06-AC0A-32BFD40106A7}" type="datetimeFigureOut">
               <a:rPr lang="zh-TW" altLang="en-US" smtClean="0"/>
-              <a:t>2020/3/12</a:t>
+              <a:t>2020/3/14</a:t>
             </a:fld>
             <a:endParaRPr lang="zh-TW" altLang="en-US"/>
           </a:p>
@@ -3092,7 +3093,7 @@
           <a:p>
             <a:r>
               <a:rPr lang="zh-TW" altLang="en-US" dirty="0" smtClean="0"/>
-              <a:t>類別概念</a:t>
+              <a:t>示例</a:t>
             </a:r>
             <a:endParaRPr lang="zh-TW" altLang="en-US" dirty="0"/>
           </a:p>
@@ -3113,13 +3114,13 @@
           <a:bodyPr/>
           <a:lstStyle/>
           <a:p>
-            <a:endParaRPr lang="zh-TW" altLang="en-US" dirty="0"/>
+            <a:endParaRPr lang="zh-TW" altLang="en-US"/>
           </a:p>
         </p:txBody>
       </p:sp>
       <p:pic>
         <p:nvPicPr>
-          <p:cNvPr id="4" name="圖片 3"/>
+          <p:cNvPr id="5" name="圖片 4"/>
           <p:cNvPicPr>
             <a:picLocks noChangeAspect="1"/>
           </p:cNvPicPr>
@@ -3133,49 +3134,42 @@
         </p:blipFill>
         <p:spPr>
           <a:xfrm>
-            <a:off x="838200" y="1825625"/>
-            <a:ext cx="10183194" cy="4143854"/>
+            <a:off x="280178" y="2015631"/>
+            <a:ext cx="5838825" cy="3476625"/>
           </a:xfrm>
           <a:prstGeom prst="rect">
             <a:avLst/>
           </a:prstGeom>
         </p:spPr>
       </p:pic>
-      <p:sp>
-        <p:nvSpPr>
-          <p:cNvPr id="5" name="矩形 4"/>
-          <p:cNvSpPr/>
+      <p:pic>
+        <p:nvPicPr>
+          <p:cNvPr id="4" name="圖片 3"/>
+          <p:cNvPicPr>
+            <a:picLocks noChangeAspect="1"/>
+          </p:cNvPicPr>
           <p:nvPr/>
-        </p:nvSpPr>
+        </p:nvPicPr>
+        <p:blipFill>
+          <a:blip r:embed="rId3"/>
+          <a:stretch>
+            <a:fillRect/>
+          </a:stretch>
+        </p:blipFill>
         <p:spPr>
           <a:xfrm>
-            <a:off x="1715291" y="6311900"/>
-            <a:ext cx="5655907" cy="369332"/>
+            <a:off x="4989483" y="289614"/>
+            <a:ext cx="7858125" cy="6296025"/>
           </a:xfrm>
           <a:prstGeom prst="rect">
             <a:avLst/>
           </a:prstGeom>
         </p:spPr>
-        <p:txBody>
-          <a:bodyPr wrap="none">
-            <a:spAutoFit/>
-          </a:bodyPr>
-          <a:lstStyle/>
-          <a:p>
-            <a:r>
-              <a:rPr lang="en-US" altLang="zh-TW" dirty="0">
-                <a:hlinkClick r:id="rId3"/>
-              </a:rPr>
-              <a:t>https://willh.gitbook.io/typescript-tutorial/advanced/class</a:t>
-            </a:r>
-            <a:endParaRPr lang="zh-TW" altLang="en-US" dirty="0"/>
-          </a:p>
-        </p:txBody>
-      </p:sp>
+      </p:pic>
     </p:spTree>
     <p:extLst>
       <p:ext uri="{BB962C8B-B14F-4D97-AF65-F5344CB8AC3E}">
-        <p14:creationId xmlns:p14="http://schemas.microsoft.com/office/powerpoint/2010/main" val="2299462991"/>
+        <p14:creationId xmlns:p14="http://schemas.microsoft.com/office/powerpoint/2010/main" val="713343810"/>
       </p:ext>
     </p:extLst>
   </p:cSld>
@@ -3218,9 +3212,18 @@
           <a:lstStyle/>
           <a:p>
             <a:r>
-              <a:rPr lang="zh-TW" altLang="en-US" dirty="0"/>
-              <a:t>類別概念</a:t>
-            </a:r>
+              <a:rPr lang="zh-TW" altLang="en-US" dirty="0" smtClean="0"/>
+              <a:t>類別</a:t>
+            </a:r>
+            <a:r>
+              <a:rPr lang="en-US" altLang="zh-TW" dirty="0"/>
+              <a:t> </a:t>
+            </a:r>
+            <a:r>
+              <a:rPr lang="en-US" altLang="zh-TW" dirty="0" smtClean="0"/>
+              <a:t>Class</a:t>
+            </a:r>
+            <a:endParaRPr lang="zh-TW" altLang="en-US" dirty="0"/>
           </a:p>
         </p:txBody>
       </p:sp>
@@ -3236,135 +3239,8 @@
         </p:nvSpPr>
         <p:spPr/>
         <p:txBody>
-          <a:bodyPr/>
-          <a:lstStyle/>
-          <a:p>
-            <a:endParaRPr lang="zh-TW" altLang="en-US"/>
-          </a:p>
-        </p:txBody>
-      </p:sp>
-      <p:pic>
-        <p:nvPicPr>
-          <p:cNvPr id="4" name="圖片 3"/>
-          <p:cNvPicPr>
-            <a:picLocks noChangeAspect="1"/>
-          </p:cNvPicPr>
-          <p:nvPr/>
-        </p:nvPicPr>
-        <p:blipFill>
-          <a:blip r:embed="rId2"/>
-          <a:stretch>
-            <a:fillRect/>
-          </a:stretch>
-        </p:blipFill>
-        <p:spPr>
-          <a:xfrm>
-            <a:off x="838200" y="1920516"/>
-            <a:ext cx="10228558" cy="2841266"/>
-          </a:xfrm>
-          <a:prstGeom prst="rect">
-            <a:avLst/>
-          </a:prstGeom>
-        </p:spPr>
-      </p:pic>
-      <p:sp>
-        <p:nvSpPr>
-          <p:cNvPr id="5" name="矩形 4"/>
-          <p:cNvSpPr/>
-          <p:nvPr/>
-        </p:nvSpPr>
-        <p:spPr>
-          <a:xfrm>
-            <a:off x="3268046" y="6271854"/>
-            <a:ext cx="5655907" cy="369332"/>
-          </a:xfrm>
-          <a:prstGeom prst="rect">
-            <a:avLst/>
-          </a:prstGeom>
-        </p:spPr>
-        <p:txBody>
-          <a:bodyPr wrap="none">
-            <a:spAutoFit/>
-          </a:bodyPr>
-          <a:lstStyle/>
-          <a:p>
-            <a:r>
-              <a:rPr lang="en-US" altLang="zh-TW" dirty="0">
-                <a:hlinkClick r:id="rId3"/>
-              </a:rPr>
-              <a:t>https://willh.gitbook.io/typescript-tutorial/advanced/class</a:t>
-            </a:r>
-            <a:endParaRPr lang="zh-TW" altLang="en-US" dirty="0"/>
-          </a:p>
-        </p:txBody>
-      </p:sp>
-    </p:spTree>
-    <p:extLst>
-      <p:ext uri="{BB962C8B-B14F-4D97-AF65-F5344CB8AC3E}">
-        <p14:creationId xmlns:p14="http://schemas.microsoft.com/office/powerpoint/2010/main" val="2020584646"/>
-      </p:ext>
-    </p:extLst>
-  </p:cSld>
-  <p:clrMapOvr>
-    <a:masterClrMapping/>
-  </p:clrMapOvr>
-</p:sld>
-</file>
-
-<file path=ppt/slides/slide12.xml><?xml version="1.0" encoding="utf-8"?>
-<p:sld xmlns:a="http://schemas.openxmlformats.org/drawingml/2006/main" xmlns:r="http://schemas.openxmlformats.org/officeDocument/2006/relationships" xmlns:p="http://schemas.openxmlformats.org/presentationml/2006/main">
-  <p:cSld>
-    <p:spTree>
-      <p:nvGrpSpPr>
-        <p:cNvPr id="1" name=""/>
-        <p:cNvGrpSpPr/>
-        <p:nvPr/>
-      </p:nvGrpSpPr>
-      <p:grpSpPr>
-        <a:xfrm>
-          <a:off x="0" y="0"/>
-          <a:ext cx="0" cy="0"/>
-          <a:chOff x="0" y="0"/>
-          <a:chExt cx="0" cy="0"/>
-        </a:xfrm>
-      </p:grpSpPr>
-      <p:sp>
-        <p:nvSpPr>
-          <p:cNvPr id="2" name="標題 1"/>
-          <p:cNvSpPr>
-            <a:spLocks noGrp="1"/>
-          </p:cNvSpPr>
-          <p:nvPr>
-            <p:ph type="title"/>
-          </p:nvPr>
-        </p:nvSpPr>
-        <p:spPr/>
-        <p:txBody>
-          <a:bodyPr/>
-          <a:lstStyle/>
-          <a:p>
-            <a:r>
-              <a:rPr lang="zh-TW" altLang="en-US" dirty="0" smtClean="0"/>
-              <a:t>物件</a:t>
-            </a:r>
-            <a:endParaRPr lang="zh-TW" altLang="en-US" dirty="0"/>
-          </a:p>
-        </p:txBody>
-      </p:sp>
-      <p:sp>
-        <p:nvSpPr>
-          <p:cNvPr id="3" name="內容版面配置區 2"/>
-          <p:cNvSpPr>
-            <a:spLocks noGrp="1"/>
-          </p:cNvSpPr>
-          <p:nvPr>
-            <p:ph idx="1"/>
-          </p:nvPr>
-        </p:nvSpPr>
-        <p:spPr/>
-        <p:txBody>
           <a:bodyPr>
-            <a:normAutofit lnSpcReduction="10000"/>
+            <a:normAutofit fontScale="92500" lnSpcReduction="20000"/>
           </a:bodyPr>
           <a:lstStyle/>
           <a:p>
@@ -3465,9 +3341,53 @@
               <a:t>功能 </a:t>
             </a:r>
             <a:r>
-              <a:rPr lang="en-US" altLang="zh-TW" dirty="0"/>
+              <a:rPr lang="en-US" altLang="zh-TW" dirty="0" smtClean="0"/>
               <a:t>method/function</a:t>
             </a:r>
+          </a:p>
+          <a:p>
+            <a:pPr lvl="1"/>
+            <a:r>
+              <a:rPr lang="en-US" altLang="zh-TW" dirty="0" err="1" smtClean="0"/>
+              <a:t>ctor</a:t>
+            </a:r>
+            <a:r>
+              <a:rPr lang="en-US" altLang="zh-TW" dirty="0" smtClean="0"/>
+              <a:t>,   </a:t>
+            </a:r>
+            <a:r>
+              <a:rPr lang="en-US" altLang="zh-TW" dirty="0" err="1" smtClean="0"/>
+              <a:t>contructor</a:t>
+            </a:r>
+            <a:r>
+              <a:rPr lang="en-US" altLang="zh-TW" dirty="0" smtClean="0"/>
+              <a:t> </a:t>
+            </a:r>
+            <a:r>
+              <a:rPr lang="zh-TW" altLang="en-US" dirty="0"/>
+              <a:t>建</a:t>
+            </a:r>
+            <a:r>
+              <a:rPr lang="zh-TW" altLang="en-US" dirty="0" smtClean="0"/>
+              <a:t>構子</a:t>
+            </a:r>
+            <a:endParaRPr lang="en-US" altLang="zh-TW" dirty="0" smtClean="0"/>
+          </a:p>
+          <a:p>
+            <a:pPr lvl="1"/>
+            <a:r>
+              <a:rPr lang="en-US" altLang="zh-TW" dirty="0" smtClean="0"/>
+              <a:t>Destroy </a:t>
+            </a:r>
+            <a:r>
+              <a:rPr lang="zh-TW" altLang="en-US" dirty="0" smtClean="0"/>
+              <a:t>解</a:t>
+            </a:r>
+            <a:r>
+              <a:rPr lang="zh-TW" altLang="en-US" dirty="0"/>
+              <a:t>構子</a:t>
+            </a:r>
+            <a:endParaRPr lang="en-US" altLang="zh-TW" dirty="0"/>
           </a:p>
           <a:p>
             <a:r>
@@ -3574,6 +3494,30 @@
           </a:prstGeom>
         </p:spPr>
       </p:pic>
+      <p:pic>
+        <p:nvPicPr>
+          <p:cNvPr id="6" name="圖片 5"/>
+          <p:cNvPicPr>
+            <a:picLocks noChangeAspect="1"/>
+          </p:cNvPicPr>
+          <p:nvPr/>
+        </p:nvPicPr>
+        <p:blipFill>
+          <a:blip r:embed="rId4"/>
+          <a:stretch>
+            <a:fillRect/>
+          </a:stretch>
+        </p:blipFill>
+        <p:spPr>
+          <a:xfrm>
+            <a:off x="3752850" y="330380"/>
+            <a:ext cx="3152775" cy="1209675"/>
+          </a:xfrm>
+          <a:prstGeom prst="rect">
+            <a:avLst/>
+          </a:prstGeom>
+        </p:spPr>
+      </p:pic>
     </p:spTree>
     <p:extLst>
       <p:ext uri="{BB962C8B-B14F-4D97-AF65-F5344CB8AC3E}">
@@ -3587,7 +3531,260 @@
 </p:sld>
 </file>
 
+<file path=ppt/slides/slide12.xml><?xml version="1.0" encoding="utf-8"?>
+<p:sld xmlns:a="http://schemas.openxmlformats.org/drawingml/2006/main" xmlns:r="http://schemas.openxmlformats.org/officeDocument/2006/relationships" xmlns:p="http://schemas.openxmlformats.org/presentationml/2006/main">
+  <p:cSld>
+    <p:spTree>
+      <p:nvGrpSpPr>
+        <p:cNvPr id="1" name=""/>
+        <p:cNvGrpSpPr/>
+        <p:nvPr/>
+      </p:nvGrpSpPr>
+      <p:grpSpPr>
+        <a:xfrm>
+          <a:off x="0" y="0"/>
+          <a:ext cx="0" cy="0"/>
+          <a:chOff x="0" y="0"/>
+          <a:chExt cx="0" cy="0"/>
+        </a:xfrm>
+      </p:grpSpPr>
+      <p:sp>
+        <p:nvSpPr>
+          <p:cNvPr id="2" name="標題 1"/>
+          <p:cNvSpPr>
+            <a:spLocks noGrp="1"/>
+          </p:cNvSpPr>
+          <p:nvPr>
+            <p:ph type="title"/>
+          </p:nvPr>
+        </p:nvSpPr>
+        <p:spPr/>
+        <p:txBody>
+          <a:bodyPr/>
+          <a:lstStyle/>
+          <a:p>
+            <a:r>
+              <a:rPr lang="zh-TW" altLang="en-US" dirty="0" smtClean="0"/>
+              <a:t>類別概念</a:t>
+            </a:r>
+            <a:endParaRPr lang="zh-TW" altLang="en-US" dirty="0"/>
+          </a:p>
+        </p:txBody>
+      </p:sp>
+      <p:sp>
+        <p:nvSpPr>
+          <p:cNvPr id="3" name="內容版面配置區 2"/>
+          <p:cNvSpPr>
+            <a:spLocks noGrp="1"/>
+          </p:cNvSpPr>
+          <p:nvPr>
+            <p:ph idx="1"/>
+          </p:nvPr>
+        </p:nvSpPr>
+        <p:spPr/>
+        <p:txBody>
+          <a:bodyPr/>
+          <a:lstStyle/>
+          <a:p>
+            <a:endParaRPr lang="zh-TW" altLang="en-US" dirty="0"/>
+          </a:p>
+        </p:txBody>
+      </p:sp>
+      <p:pic>
+        <p:nvPicPr>
+          <p:cNvPr id="4" name="圖片 3"/>
+          <p:cNvPicPr>
+            <a:picLocks noChangeAspect="1"/>
+          </p:cNvPicPr>
+          <p:nvPr/>
+        </p:nvPicPr>
+        <p:blipFill>
+          <a:blip r:embed="rId2"/>
+          <a:stretch>
+            <a:fillRect/>
+          </a:stretch>
+        </p:blipFill>
+        <p:spPr>
+          <a:xfrm>
+            <a:off x="838200" y="1825625"/>
+            <a:ext cx="10183194" cy="4143854"/>
+          </a:xfrm>
+          <a:prstGeom prst="rect">
+            <a:avLst/>
+          </a:prstGeom>
+        </p:spPr>
+      </p:pic>
+      <p:sp>
+        <p:nvSpPr>
+          <p:cNvPr id="5" name="矩形 4"/>
+          <p:cNvSpPr/>
+          <p:nvPr/>
+        </p:nvSpPr>
+        <p:spPr>
+          <a:xfrm>
+            <a:off x="1715291" y="6311900"/>
+            <a:ext cx="5655907" cy="369332"/>
+          </a:xfrm>
+          <a:prstGeom prst="rect">
+            <a:avLst/>
+          </a:prstGeom>
+        </p:spPr>
+        <p:txBody>
+          <a:bodyPr wrap="none">
+            <a:spAutoFit/>
+          </a:bodyPr>
+          <a:lstStyle/>
+          <a:p>
+            <a:r>
+              <a:rPr lang="en-US" altLang="zh-TW" dirty="0">
+                <a:hlinkClick r:id="rId3"/>
+              </a:rPr>
+              <a:t>https://willh.gitbook.io/typescript-tutorial/advanced/class</a:t>
+            </a:r>
+            <a:endParaRPr lang="zh-TW" altLang="en-US" dirty="0"/>
+          </a:p>
+        </p:txBody>
+      </p:sp>
+    </p:spTree>
+    <p:extLst>
+      <p:ext uri="{BB962C8B-B14F-4D97-AF65-F5344CB8AC3E}">
+        <p14:creationId xmlns:p14="http://schemas.microsoft.com/office/powerpoint/2010/main" val="2299462991"/>
+      </p:ext>
+    </p:extLst>
+  </p:cSld>
+  <p:clrMapOvr>
+    <a:masterClrMapping/>
+  </p:clrMapOvr>
+</p:sld>
+</file>
+
 <file path=ppt/slides/slide13.xml><?xml version="1.0" encoding="utf-8"?>
+<p:sld xmlns:a="http://schemas.openxmlformats.org/drawingml/2006/main" xmlns:r="http://schemas.openxmlformats.org/officeDocument/2006/relationships" xmlns:p="http://schemas.openxmlformats.org/presentationml/2006/main">
+  <p:cSld>
+    <p:spTree>
+      <p:nvGrpSpPr>
+        <p:cNvPr id="1" name=""/>
+        <p:cNvGrpSpPr/>
+        <p:nvPr/>
+      </p:nvGrpSpPr>
+      <p:grpSpPr>
+        <a:xfrm>
+          <a:off x="0" y="0"/>
+          <a:ext cx="0" cy="0"/>
+          <a:chOff x="0" y="0"/>
+          <a:chExt cx="0" cy="0"/>
+        </a:xfrm>
+      </p:grpSpPr>
+      <p:sp>
+        <p:nvSpPr>
+          <p:cNvPr id="2" name="標題 1"/>
+          <p:cNvSpPr>
+            <a:spLocks noGrp="1"/>
+          </p:cNvSpPr>
+          <p:nvPr>
+            <p:ph type="title"/>
+          </p:nvPr>
+        </p:nvSpPr>
+        <p:spPr/>
+        <p:txBody>
+          <a:bodyPr/>
+          <a:lstStyle/>
+          <a:p>
+            <a:r>
+              <a:rPr lang="zh-TW" altLang="en-US" dirty="0"/>
+              <a:t>類別概念</a:t>
+            </a:r>
+          </a:p>
+        </p:txBody>
+      </p:sp>
+      <p:sp>
+        <p:nvSpPr>
+          <p:cNvPr id="3" name="內容版面配置區 2"/>
+          <p:cNvSpPr>
+            <a:spLocks noGrp="1"/>
+          </p:cNvSpPr>
+          <p:nvPr>
+            <p:ph idx="1"/>
+          </p:nvPr>
+        </p:nvSpPr>
+        <p:spPr/>
+        <p:txBody>
+          <a:bodyPr/>
+          <a:lstStyle/>
+          <a:p>
+            <a:endParaRPr lang="zh-TW" altLang="en-US"/>
+          </a:p>
+        </p:txBody>
+      </p:sp>
+      <p:pic>
+        <p:nvPicPr>
+          <p:cNvPr id="4" name="圖片 3"/>
+          <p:cNvPicPr>
+            <a:picLocks noChangeAspect="1"/>
+          </p:cNvPicPr>
+          <p:nvPr/>
+        </p:nvPicPr>
+        <p:blipFill>
+          <a:blip r:embed="rId2"/>
+          <a:stretch>
+            <a:fillRect/>
+          </a:stretch>
+        </p:blipFill>
+        <p:spPr>
+          <a:xfrm>
+            <a:off x="838200" y="1920516"/>
+            <a:ext cx="10228558" cy="2841266"/>
+          </a:xfrm>
+          <a:prstGeom prst="rect">
+            <a:avLst/>
+          </a:prstGeom>
+        </p:spPr>
+      </p:pic>
+      <p:sp>
+        <p:nvSpPr>
+          <p:cNvPr id="5" name="矩形 4"/>
+          <p:cNvSpPr/>
+          <p:nvPr/>
+        </p:nvSpPr>
+        <p:spPr>
+          <a:xfrm>
+            <a:off x="3268046" y="6271854"/>
+            <a:ext cx="5655907" cy="369332"/>
+          </a:xfrm>
+          <a:prstGeom prst="rect">
+            <a:avLst/>
+          </a:prstGeom>
+        </p:spPr>
+        <p:txBody>
+          <a:bodyPr wrap="none">
+            <a:spAutoFit/>
+          </a:bodyPr>
+          <a:lstStyle/>
+          <a:p>
+            <a:r>
+              <a:rPr lang="en-US" altLang="zh-TW" dirty="0">
+                <a:hlinkClick r:id="rId3"/>
+              </a:rPr>
+              <a:t>https://willh.gitbook.io/typescript-tutorial/advanced/class</a:t>
+            </a:r>
+            <a:endParaRPr lang="zh-TW" altLang="en-US" dirty="0"/>
+          </a:p>
+        </p:txBody>
+      </p:sp>
+    </p:spTree>
+    <p:extLst>
+      <p:ext uri="{BB962C8B-B14F-4D97-AF65-F5344CB8AC3E}">
+        <p14:creationId xmlns:p14="http://schemas.microsoft.com/office/powerpoint/2010/main" val="2020584646"/>
+      </p:ext>
+    </p:extLst>
+  </p:cSld>
+  <p:clrMapOvr>
+    <a:masterClrMapping/>
+  </p:clrMapOvr>
+</p:sld>
+</file>
+
+<file path=ppt/slides/slide14.xml><?xml version="1.0" encoding="utf-8"?>
 <p:sld xmlns:a="http://schemas.openxmlformats.org/drawingml/2006/main" xmlns:r="http://schemas.openxmlformats.org/officeDocument/2006/relationships" xmlns:p="http://schemas.openxmlformats.org/presentationml/2006/main">
   <p:cSld>
     <p:spTree>
@@ -3850,7 +4047,7 @@
 </p:sld>
 </file>
 
-<file path=ppt/slides/slide14.xml><?xml version="1.0" encoding="utf-8"?>
+<file path=ppt/slides/slide15.xml><?xml version="1.0" encoding="utf-8"?>
 <p:sld xmlns:a="http://schemas.openxmlformats.org/drawingml/2006/main" xmlns:r="http://schemas.openxmlformats.org/officeDocument/2006/relationships" xmlns:p="http://schemas.openxmlformats.org/presentationml/2006/main">
   <p:cSld>
     <p:spTree>
@@ -4031,7 +4228,7 @@
 </p:sld>
 </file>
 
-<file path=ppt/slides/slide15.xml><?xml version="1.0" encoding="utf-8"?>
+<file path=ppt/slides/slide16.xml><?xml version="1.0" encoding="utf-8"?>
 <p:sld xmlns:a="http://schemas.openxmlformats.org/drawingml/2006/main" xmlns:r="http://schemas.openxmlformats.org/officeDocument/2006/relationships" xmlns:p="http://schemas.openxmlformats.org/presentationml/2006/main">
   <p:cSld>
     <p:spTree>
@@ -4185,7 +4382,7 @@
 </p:sld>
 </file>
 
-<file path=ppt/slides/slide16.xml><?xml version="1.0" encoding="utf-8"?>
+<file path=ppt/slides/slide17.xml><?xml version="1.0" encoding="utf-8"?>
 <p:sld xmlns:a="http://schemas.openxmlformats.org/drawingml/2006/main" xmlns:r="http://schemas.openxmlformats.org/officeDocument/2006/relationships" xmlns:p="http://schemas.openxmlformats.org/presentationml/2006/main">
   <p:cSld>
     <p:spTree>
@@ -4254,11 +4451,7 @@
             <a:pPr lvl="1"/>
             <a:r>
               <a:rPr lang="zh-TW" altLang="en-US" dirty="0" smtClean="0"/>
-              <a:t>基礎</a:t>
-            </a:r>
-            <a:r>
-              <a:rPr lang="zh-TW" altLang="en-US" dirty="0" smtClean="0"/>
-              <a:t>型別</a:t>
+              <a:t>基礎型別</a:t>
             </a:r>
             <a:r>
               <a:rPr lang="en-US" altLang="zh-TW" dirty="0" smtClean="0"/>
@@ -4323,7 +4516,6 @@
               <a:rPr lang="en-US" altLang="zh-TW" dirty="0" smtClean="0"/>
               <a:t>=&gt; </a:t>
             </a:r>
-            <a:endParaRPr lang="en-US" altLang="zh-TW" dirty="0" smtClean="0"/>
           </a:p>
           <a:p>
             <a:pPr lvl="1"/>
@@ -4371,7 +4563,6 @@
               <a:rPr lang="en-US" altLang="zh-TW" dirty="0" smtClean="0"/>
               <a:t>function</a:t>
             </a:r>
-            <a:endParaRPr lang="en-US" altLang="zh-TW" dirty="0" smtClean="0"/>
           </a:p>
           <a:p>
             <a:endParaRPr lang="zh-TW" altLang="en-US" dirty="0"/>
@@ -4391,7 +4582,7 @@
 </p:sld>
 </file>
 
-<file path=ppt/slides/slide17.xml><?xml version="1.0" encoding="utf-8"?>
+<file path=ppt/slides/slide18.xml><?xml version="1.0" encoding="utf-8"?>
 <p:sld xmlns:a="http://schemas.openxmlformats.org/drawingml/2006/main" xmlns:r="http://schemas.openxmlformats.org/officeDocument/2006/relationships" xmlns:p="http://schemas.openxmlformats.org/presentationml/2006/main">
   <p:cSld>
     <p:spTree>
@@ -4746,7 +4937,7 @@
 </p:sld>
 </file>
 
-<file path=ppt/slides/slide18.xml><?xml version="1.0" encoding="utf-8"?>
+<file path=ppt/slides/slide19.xml><?xml version="1.0" encoding="utf-8"?>
 <p:sld xmlns:a="http://schemas.openxmlformats.org/drawingml/2006/main" xmlns:r="http://schemas.openxmlformats.org/officeDocument/2006/relationships" xmlns:p="http://schemas.openxmlformats.org/presentationml/2006/main">
   <p:cSld>
     <p:spTree>
@@ -4842,7 +5033,103 @@
 </p:sld>
 </file>
 
-<file path=ppt/slides/slide19.xml><?xml version="1.0" encoding="utf-8"?>
+<file path=ppt/slides/slide2.xml><?xml version="1.0" encoding="utf-8"?>
+<p:sld xmlns:a="http://schemas.openxmlformats.org/drawingml/2006/main" xmlns:r="http://schemas.openxmlformats.org/officeDocument/2006/relationships" xmlns:p="http://schemas.openxmlformats.org/presentationml/2006/main">
+  <p:cSld>
+    <p:spTree>
+      <p:nvGrpSpPr>
+        <p:cNvPr id="1" name=""/>
+        <p:cNvGrpSpPr/>
+        <p:nvPr/>
+      </p:nvGrpSpPr>
+      <p:grpSpPr>
+        <a:xfrm>
+          <a:off x="0" y="0"/>
+          <a:ext cx="0" cy="0"/>
+          <a:chOff x="0" y="0"/>
+          <a:chExt cx="0" cy="0"/>
+        </a:xfrm>
+      </p:grpSpPr>
+      <p:sp>
+        <p:nvSpPr>
+          <p:cNvPr id="2" name="標題 1"/>
+          <p:cNvSpPr>
+            <a:spLocks noGrp="1"/>
+          </p:cNvSpPr>
+          <p:nvPr>
+            <p:ph type="title"/>
+          </p:nvPr>
+        </p:nvSpPr>
+        <p:spPr/>
+        <p:txBody>
+          <a:bodyPr/>
+          <a:lstStyle/>
+          <a:p>
+            <a:r>
+              <a:rPr lang="zh-TW" altLang="en-US" dirty="0" smtClean="0"/>
+              <a:t>參考</a:t>
+            </a:r>
+            <a:endParaRPr lang="zh-TW" altLang="en-US" dirty="0"/>
+          </a:p>
+        </p:txBody>
+      </p:sp>
+      <p:sp>
+        <p:nvSpPr>
+          <p:cNvPr id="3" name="內容版面配置區 2"/>
+          <p:cNvSpPr>
+            <a:spLocks noGrp="1"/>
+          </p:cNvSpPr>
+          <p:nvPr>
+            <p:ph idx="1"/>
+          </p:nvPr>
+        </p:nvSpPr>
+        <p:spPr/>
+        <p:txBody>
+          <a:bodyPr/>
+          <a:lstStyle/>
+          <a:p>
+            <a:r>
+              <a:rPr lang="en-US" altLang="zh-TW" dirty="0" smtClean="0">
+                <a:hlinkClick r:id="rId2"/>
+              </a:rPr>
+              <a:t>https://willh.gitbook.io/typescript-tutorial/</a:t>
+            </a:r>
+            <a:endParaRPr lang="en-US" altLang="zh-TW" dirty="0" smtClean="0"/>
+          </a:p>
+          <a:p>
+            <a:r>
+              <a:rPr lang="zh-TW" altLang="en-US" dirty="0" smtClean="0"/>
+              <a:t>本講義以上網址內容</a:t>
+            </a:r>
+            <a:r>
+              <a:rPr lang="en-US" altLang="zh-TW" dirty="0" smtClean="0"/>
+              <a:t>, </a:t>
+            </a:r>
+            <a:r>
+              <a:rPr lang="zh-TW" altLang="en-US" dirty="0" smtClean="0"/>
+              <a:t>賅要講解</a:t>
+            </a:r>
+            <a:r>
+              <a:rPr lang="zh-TW" altLang="en-US" dirty="0"/>
+              <a:t>。</a:t>
+            </a:r>
+          </a:p>
+        </p:txBody>
+      </p:sp>
+    </p:spTree>
+    <p:extLst>
+      <p:ext uri="{BB962C8B-B14F-4D97-AF65-F5344CB8AC3E}">
+        <p14:creationId xmlns:p14="http://schemas.microsoft.com/office/powerpoint/2010/main" val="3753394572"/>
+      </p:ext>
+    </p:extLst>
+  </p:cSld>
+  <p:clrMapOvr>
+    <a:masterClrMapping/>
+  </p:clrMapOvr>
+</p:sld>
+</file>
+
+<file path=ppt/slides/slide20.xml><?xml version="1.0" encoding="utf-8"?>
 <p:sld xmlns:a="http://schemas.openxmlformats.org/drawingml/2006/main" xmlns:r="http://schemas.openxmlformats.org/officeDocument/2006/relationships" xmlns:p="http://schemas.openxmlformats.org/presentationml/2006/main">
   <p:cSld>
     <p:spTree>
@@ -4938,103 +5225,7 @@
 </p:sld>
 </file>
 
-<file path=ppt/slides/slide2.xml><?xml version="1.0" encoding="utf-8"?>
-<p:sld xmlns:a="http://schemas.openxmlformats.org/drawingml/2006/main" xmlns:r="http://schemas.openxmlformats.org/officeDocument/2006/relationships" xmlns:p="http://schemas.openxmlformats.org/presentationml/2006/main">
-  <p:cSld>
-    <p:spTree>
-      <p:nvGrpSpPr>
-        <p:cNvPr id="1" name=""/>
-        <p:cNvGrpSpPr/>
-        <p:nvPr/>
-      </p:nvGrpSpPr>
-      <p:grpSpPr>
-        <a:xfrm>
-          <a:off x="0" y="0"/>
-          <a:ext cx="0" cy="0"/>
-          <a:chOff x="0" y="0"/>
-          <a:chExt cx="0" cy="0"/>
-        </a:xfrm>
-      </p:grpSpPr>
-      <p:sp>
-        <p:nvSpPr>
-          <p:cNvPr id="2" name="標題 1"/>
-          <p:cNvSpPr>
-            <a:spLocks noGrp="1"/>
-          </p:cNvSpPr>
-          <p:nvPr>
-            <p:ph type="title"/>
-          </p:nvPr>
-        </p:nvSpPr>
-        <p:spPr/>
-        <p:txBody>
-          <a:bodyPr/>
-          <a:lstStyle/>
-          <a:p>
-            <a:r>
-              <a:rPr lang="zh-TW" altLang="en-US" dirty="0" smtClean="0"/>
-              <a:t>參考</a:t>
-            </a:r>
-            <a:endParaRPr lang="zh-TW" altLang="en-US" dirty="0"/>
-          </a:p>
-        </p:txBody>
-      </p:sp>
-      <p:sp>
-        <p:nvSpPr>
-          <p:cNvPr id="3" name="內容版面配置區 2"/>
-          <p:cNvSpPr>
-            <a:spLocks noGrp="1"/>
-          </p:cNvSpPr>
-          <p:nvPr>
-            <p:ph idx="1"/>
-          </p:nvPr>
-        </p:nvSpPr>
-        <p:spPr/>
-        <p:txBody>
-          <a:bodyPr/>
-          <a:lstStyle/>
-          <a:p>
-            <a:r>
-              <a:rPr lang="en-US" altLang="zh-TW" dirty="0" smtClean="0">
-                <a:hlinkClick r:id="rId2"/>
-              </a:rPr>
-              <a:t>https://willh.gitbook.io/typescript-tutorial/</a:t>
-            </a:r>
-            <a:endParaRPr lang="en-US" altLang="zh-TW" dirty="0" smtClean="0"/>
-          </a:p>
-          <a:p>
-            <a:r>
-              <a:rPr lang="zh-TW" altLang="en-US" dirty="0" smtClean="0"/>
-              <a:t>本講義以上網址內容</a:t>
-            </a:r>
-            <a:r>
-              <a:rPr lang="en-US" altLang="zh-TW" dirty="0" smtClean="0"/>
-              <a:t>, </a:t>
-            </a:r>
-            <a:r>
-              <a:rPr lang="zh-TW" altLang="en-US" dirty="0" smtClean="0"/>
-              <a:t>賅要講解</a:t>
-            </a:r>
-            <a:r>
-              <a:rPr lang="zh-TW" altLang="en-US" dirty="0"/>
-              <a:t>。</a:t>
-            </a:r>
-          </a:p>
-        </p:txBody>
-      </p:sp>
-    </p:spTree>
-    <p:extLst>
-      <p:ext uri="{BB962C8B-B14F-4D97-AF65-F5344CB8AC3E}">
-        <p14:creationId xmlns:p14="http://schemas.microsoft.com/office/powerpoint/2010/main" val="3753394572"/>
-      </p:ext>
-    </p:extLst>
-  </p:cSld>
-  <p:clrMapOvr>
-    <a:masterClrMapping/>
-  </p:clrMapOvr>
-</p:sld>
-</file>
-
-<file path=ppt/slides/slide20.xml><?xml version="1.0" encoding="utf-8"?>
+<file path=ppt/slides/slide21.xml><?xml version="1.0" encoding="utf-8"?>
 <p:sld xmlns:a="http://schemas.openxmlformats.org/drawingml/2006/main" xmlns:r="http://schemas.openxmlformats.org/officeDocument/2006/relationships" xmlns:p="http://schemas.openxmlformats.org/presentationml/2006/main">
   <p:cSld>
     <p:spTree>
@@ -5678,7 +5869,11 @@
             </a:r>
             <a:r>
               <a:rPr lang="zh-TW" altLang="en-US" dirty="0" smtClean="0"/>
-              <a:t>不可到子 </a:t>
+              <a:t>不可</a:t>
+            </a:r>
+            <a:r>
+              <a:rPr lang="zh-TW" altLang="en-US" dirty="0" smtClean="0"/>
+              <a:t>到母 </a:t>
             </a:r>
             <a:r>
               <a:rPr lang="en-US" altLang="zh-TW" dirty="0" smtClean="0"/>
@@ -5721,8 +5916,12 @@
           <a:p>
             <a:pPr lvl="1"/>
             <a:r>
-              <a:rPr lang="en-US" altLang="zh-TW" dirty="0" err="1"/>
+              <a:rPr lang="en-US" altLang="zh-TW" dirty="0" err="1" smtClean="0"/>
               <a:t>isNaN</a:t>
+            </a:r>
+            <a:r>
+              <a:rPr lang="en-US" altLang="zh-TW" dirty="0" smtClean="0"/>
+              <a:t>, Not a Number</a:t>
             </a:r>
             <a:endParaRPr lang="en-US" altLang="zh-TW" dirty="0" smtClean="0"/>
           </a:p>
@@ -5750,6 +5949,10 @@
             <a:r>
               <a:rPr lang="en-US" altLang="zh-TW" dirty="0" err="1" smtClean="0"/>
               <a:t>number|string</a:t>
+            </a:r>
+            <a:r>
+              <a:rPr lang="en-US" altLang="zh-TW" dirty="0" smtClean="0"/>
+              <a:t> </a:t>
             </a:r>
             <a:endParaRPr lang="zh-TW" altLang="en-US" dirty="0"/>
           </a:p>
@@ -5801,8 +6004,119 @@
           <a:lstStyle/>
           <a:p>
             <a:r>
-              <a:rPr lang="zh-TW" altLang="en-US" dirty="0" smtClean="0"/>
-              <a:t>物件</a:t>
+              <a:rPr lang="en-US" altLang="zh-TW" dirty="0" smtClean="0"/>
+              <a:t>if</a:t>
+            </a:r>
+            <a:endParaRPr lang="zh-TW" altLang="en-US" dirty="0"/>
+          </a:p>
+        </p:txBody>
+      </p:sp>
+      <p:sp>
+        <p:nvSpPr>
+          <p:cNvPr id="3" name="內容版面配置區 2"/>
+          <p:cNvSpPr>
+            <a:spLocks noGrp="1"/>
+          </p:cNvSpPr>
+          <p:nvPr>
+            <p:ph idx="1"/>
+          </p:nvPr>
+        </p:nvSpPr>
+        <p:spPr/>
+        <p:txBody>
+          <a:bodyPr/>
+          <a:lstStyle/>
+          <a:p>
+            <a:r>
+              <a:rPr lang="en-US" altLang="zh-TW" dirty="0" smtClean="0"/>
+              <a:t>A == B</a:t>
+            </a:r>
+          </a:p>
+          <a:p>
+            <a:r>
+              <a:rPr lang="en-US" altLang="zh-TW" dirty="0" smtClean="0"/>
+              <a:t>===    , </a:t>
+            </a:r>
+            <a:r>
+              <a:rPr lang="zh-TW" altLang="en-US" dirty="0" smtClean="0"/>
+              <a:t>同型別一起比較</a:t>
+            </a:r>
+            <a:endParaRPr lang="en-US" altLang="zh-TW" dirty="0" smtClean="0"/>
+          </a:p>
+          <a:p>
+            <a:r>
+              <a:rPr lang="en-US" altLang="zh-TW" dirty="0" smtClean="0"/>
+              <a:t>true / false</a:t>
+            </a:r>
+          </a:p>
+          <a:p>
+            <a:r>
+              <a:rPr lang="en-US" altLang="zh-TW" dirty="0" smtClean="0"/>
+              <a:t>&gt;=, &lt;=,  &gt;==, &lt;==</a:t>
+            </a:r>
+          </a:p>
+          <a:p>
+            <a:r>
+              <a:rPr lang="en-US" altLang="zh-TW" dirty="0" smtClean="0"/>
+              <a:t>&lt;</a:t>
+            </a:r>
+          </a:p>
+          <a:p>
+            <a:r>
+              <a:rPr lang="en-US" altLang="zh-TW" dirty="0"/>
+              <a:t>&gt;</a:t>
+            </a:r>
+            <a:endParaRPr lang="zh-TW" altLang="en-US" dirty="0"/>
+          </a:p>
+        </p:txBody>
+      </p:sp>
+    </p:spTree>
+    <p:extLst>
+      <p:ext uri="{BB962C8B-B14F-4D97-AF65-F5344CB8AC3E}">
+        <p14:creationId xmlns:p14="http://schemas.microsoft.com/office/powerpoint/2010/main" val="820570833"/>
+      </p:ext>
+    </p:extLst>
+  </p:cSld>
+  <p:clrMapOvr>
+    <a:masterClrMapping/>
+  </p:clrMapOvr>
+</p:sld>
+</file>
+
+<file path=ppt/slides/slide8.xml><?xml version="1.0" encoding="utf-8"?>
+<p:sld xmlns:a="http://schemas.openxmlformats.org/drawingml/2006/main" xmlns:r="http://schemas.openxmlformats.org/officeDocument/2006/relationships" xmlns:p="http://schemas.openxmlformats.org/presentationml/2006/main">
+  <p:cSld>
+    <p:spTree>
+      <p:nvGrpSpPr>
+        <p:cNvPr id="1" name=""/>
+        <p:cNvGrpSpPr/>
+        <p:nvPr/>
+      </p:nvGrpSpPr>
+      <p:grpSpPr>
+        <a:xfrm>
+          <a:off x="0" y="0"/>
+          <a:ext cx="0" cy="0"/>
+          <a:chOff x="0" y="0"/>
+          <a:chExt cx="0" cy="0"/>
+        </a:xfrm>
+      </p:grpSpPr>
+      <p:sp>
+        <p:nvSpPr>
+          <p:cNvPr id="2" name="標題 1"/>
+          <p:cNvSpPr>
+            <a:spLocks noGrp="1"/>
+          </p:cNvSpPr>
+          <p:nvPr>
+            <p:ph type="title"/>
+          </p:nvPr>
+        </p:nvSpPr>
+        <p:spPr/>
+        <p:txBody>
+          <a:bodyPr/>
+          <a:lstStyle/>
+          <a:p>
+            <a:r>
+              <a:rPr lang="zh-TW" altLang="en-US" dirty="0" smtClean="0"/>
+              <a:t>物件概念</a:t>
             </a:r>
             <a:endParaRPr lang="zh-TW" altLang="en-US" dirty="0"/>
           </a:p>
@@ -6075,6 +6389,33 @@
               <a:t> </a:t>
             </a:r>
             <a:endParaRPr lang="en-US" altLang="zh-TW" sz="1000" dirty="0" smtClean="0">
+              <a:latin typeface="Arial" panose="020B0604020202020204" pitchFamily="34" charset="0"/>
+            </a:endParaRPr>
+          </a:p>
+          <a:p>
+            <a:pPr lvl="2"/>
+            <a:r>
+              <a:rPr lang="en-US" altLang="zh-TW" sz="1800" dirty="0" smtClean="0">
+                <a:latin typeface="Arial" panose="020B0604020202020204" pitchFamily="34" charset="0"/>
+              </a:rPr>
+              <a:t>{},   EX: </a:t>
+            </a:r>
+            <a:r>
+              <a:rPr lang="en-US" altLang="zh-TW" sz="1800" dirty="0"/>
+              <a:t> let o : object = {a:'</a:t>
+            </a:r>
+            <a:r>
+              <a:rPr lang="en-US" altLang="zh-TW" sz="1800" dirty="0" err="1"/>
+              <a:t>abc</a:t>
+            </a:r>
+            <a:r>
+              <a:rPr lang="en-US" altLang="zh-TW" sz="1800" dirty="0"/>
+              <a:t>', z:999};</a:t>
+            </a:r>
+          </a:p>
+          <a:p>
+            <a:pPr lvl="2"/>
+            <a:endParaRPr lang="en-US" altLang="zh-TW" sz="1800" dirty="0" smtClean="0">
               <a:latin typeface="Arial" panose="020B0604020202020204" pitchFamily="34" charset="0"/>
             </a:endParaRPr>
           </a:p>
@@ -6165,7 +6506,7 @@
 </p:sld>
 </file>
 
-<file path=ppt/slides/slide8.xml><?xml version="1.0" encoding="utf-8"?>
+<file path=ppt/slides/slide9.xml><?xml version="1.0" encoding="utf-8"?>
 <p:sld xmlns:a="http://schemas.openxmlformats.org/drawingml/2006/main" xmlns:r="http://schemas.openxmlformats.org/officeDocument/2006/relationships" xmlns:p="http://schemas.openxmlformats.org/presentationml/2006/main">
   <p:cSld>
     <p:spTree>
@@ -6263,7 +6604,27 @@
             </a:r>
             <a:r>
               <a:rPr lang="zh-TW" altLang="en-US" dirty="0"/>
-              <a:t>，不包含怎麼執行</a:t>
+              <a:t>，不包含怎麼</a:t>
+            </a:r>
+            <a:r>
+              <a:rPr lang="zh-TW" altLang="en-US" dirty="0" smtClean="0"/>
+              <a:t>執行</a:t>
+            </a:r>
+            <a:r>
+              <a:rPr lang="en-US" altLang="zh-TW" dirty="0" smtClean="0"/>
+              <a:t>(</a:t>
+            </a:r>
+            <a:r>
+              <a:rPr lang="zh-TW" altLang="en-US" dirty="0" smtClean="0"/>
+              <a:t>不去</a:t>
+            </a:r>
+            <a:r>
+              <a:rPr lang="zh-TW" altLang="en-US" dirty="0" smtClean="0"/>
+              <a:t>實作</a:t>
+            </a:r>
+            <a:r>
+              <a:rPr lang="en-US" altLang="zh-TW" dirty="0" smtClean="0"/>
+              <a:t>(implement)</a:t>
             </a:r>
             <a:r>
               <a:rPr lang="zh-TW" altLang="en-US" dirty="0" smtClean="0"/>
@@ -6290,11 +6651,15 @@
             </a:r>
             <a:r>
               <a:rPr lang="zh-TW" altLang="en-US" dirty="0"/>
-              <a:t>低耦合達到</a:t>
-            </a:r>
-            <a:r>
-              <a:rPr lang="en-US" altLang="zh-TW" dirty="0"/>
-              <a:t>Dependency Inject, </a:t>
+              <a:t>低耦合</a:t>
+            </a:r>
+            <a:r>
+              <a:rPr lang="zh-TW" altLang="en-US" dirty="0" smtClean="0"/>
+              <a:t>達到 </a:t>
+            </a:r>
+            <a:r>
+              <a:rPr lang="en-US" altLang="zh-TW" dirty="0" smtClean="0"/>
+              <a:t>DI (Dependency Inject), </a:t>
             </a:r>
             <a:r>
               <a:rPr lang="zh-TW" altLang="en-US" dirty="0"/>
@@ -6383,126 +6748,6 @@
     <p:extLst>
       <p:ext uri="{BB962C8B-B14F-4D97-AF65-F5344CB8AC3E}">
         <p14:creationId xmlns:p14="http://schemas.microsoft.com/office/powerpoint/2010/main" val="3455113433"/>
-      </p:ext>
-    </p:extLst>
-  </p:cSld>
-  <p:clrMapOvr>
-    <a:masterClrMapping/>
-  </p:clrMapOvr>
-</p:sld>
-</file>
-
-<file path=ppt/slides/slide9.xml><?xml version="1.0" encoding="utf-8"?>
-<p:sld xmlns:a="http://schemas.openxmlformats.org/drawingml/2006/main" xmlns:r="http://schemas.openxmlformats.org/officeDocument/2006/relationships" xmlns:p="http://schemas.openxmlformats.org/presentationml/2006/main">
-  <p:cSld>
-    <p:spTree>
-      <p:nvGrpSpPr>
-        <p:cNvPr id="1" name=""/>
-        <p:cNvGrpSpPr/>
-        <p:nvPr/>
-      </p:nvGrpSpPr>
-      <p:grpSpPr>
-        <a:xfrm>
-          <a:off x="0" y="0"/>
-          <a:ext cx="0" cy="0"/>
-          <a:chOff x="0" y="0"/>
-          <a:chExt cx="0" cy="0"/>
-        </a:xfrm>
-      </p:grpSpPr>
-      <p:sp>
-        <p:nvSpPr>
-          <p:cNvPr id="2" name="標題 1"/>
-          <p:cNvSpPr>
-            <a:spLocks noGrp="1"/>
-          </p:cNvSpPr>
-          <p:nvPr>
-            <p:ph type="title"/>
-          </p:nvPr>
-        </p:nvSpPr>
-        <p:spPr/>
-        <p:txBody>
-          <a:bodyPr/>
-          <a:lstStyle/>
-          <a:p>
-            <a:r>
-              <a:rPr lang="zh-TW" altLang="en-US" dirty="0" smtClean="0"/>
-              <a:t>示例</a:t>
-            </a:r>
-            <a:endParaRPr lang="zh-TW" altLang="en-US" dirty="0"/>
-          </a:p>
-        </p:txBody>
-      </p:sp>
-      <p:sp>
-        <p:nvSpPr>
-          <p:cNvPr id="3" name="內容版面配置區 2"/>
-          <p:cNvSpPr>
-            <a:spLocks noGrp="1"/>
-          </p:cNvSpPr>
-          <p:nvPr>
-            <p:ph idx="1"/>
-          </p:nvPr>
-        </p:nvSpPr>
-        <p:spPr/>
-        <p:txBody>
-          <a:bodyPr/>
-          <a:lstStyle/>
-          <a:p>
-            <a:endParaRPr lang="zh-TW" altLang="en-US"/>
-          </a:p>
-        </p:txBody>
-      </p:sp>
-      <p:pic>
-        <p:nvPicPr>
-          <p:cNvPr id="5" name="圖片 4"/>
-          <p:cNvPicPr>
-            <a:picLocks noChangeAspect="1"/>
-          </p:cNvPicPr>
-          <p:nvPr/>
-        </p:nvPicPr>
-        <p:blipFill>
-          <a:blip r:embed="rId2"/>
-          <a:stretch>
-            <a:fillRect/>
-          </a:stretch>
-        </p:blipFill>
-        <p:spPr>
-          <a:xfrm>
-            <a:off x="280178" y="2015631"/>
-            <a:ext cx="5838825" cy="3476625"/>
-          </a:xfrm>
-          <a:prstGeom prst="rect">
-            <a:avLst/>
-          </a:prstGeom>
-        </p:spPr>
-      </p:pic>
-      <p:pic>
-        <p:nvPicPr>
-          <p:cNvPr id="4" name="圖片 3"/>
-          <p:cNvPicPr>
-            <a:picLocks noChangeAspect="1"/>
-          </p:cNvPicPr>
-          <p:nvPr/>
-        </p:nvPicPr>
-        <p:blipFill>
-          <a:blip r:embed="rId3"/>
-          <a:stretch>
-            <a:fillRect/>
-          </a:stretch>
-        </p:blipFill>
-        <p:spPr>
-          <a:xfrm>
-            <a:off x="4989483" y="289614"/>
-            <a:ext cx="7858125" cy="6296025"/>
-          </a:xfrm>
-          <a:prstGeom prst="rect">
-            <a:avLst/>
-          </a:prstGeom>
-        </p:spPr>
-      </p:pic>
-    </p:spTree>
-    <p:extLst>
-      <p:ext uri="{BB962C8B-B14F-4D97-AF65-F5344CB8AC3E}">
-        <p14:creationId xmlns:p14="http://schemas.microsoft.com/office/powerpoint/2010/main" val="713343810"/>
       </p:ext>
     </p:extLst>
   </p:cSld>
